--- a/Unit8_Live_Session_Assignment.pptx
+++ b/Unit8_Live_Session_Assignment.pptx
@@ -6,18 +6,21 @@
     <p:sldMasterId id="2147483685" r:id="rId2"/>
   </p:sldMasterIdLst>
   <p:notesMasterIdLst>
-    <p:notesMasterId r:id="rId9"/>
+    <p:notesMasterId r:id="rId12"/>
   </p:notesMasterIdLst>
   <p:handoutMasterIdLst>
-    <p:handoutMasterId r:id="rId10"/>
+    <p:handoutMasterId r:id="rId13"/>
   </p:handoutMasterIdLst>
   <p:sldIdLst>
     <p:sldId id="256" r:id="rId3"/>
     <p:sldId id="268" r:id="rId4"/>
-    <p:sldId id="269" r:id="rId5"/>
-    <p:sldId id="270" r:id="rId6"/>
-    <p:sldId id="271" r:id="rId7"/>
-    <p:sldId id="272" r:id="rId8"/>
+    <p:sldId id="273" r:id="rId5"/>
+    <p:sldId id="269" r:id="rId6"/>
+    <p:sldId id="270" r:id="rId7"/>
+    <p:sldId id="271" r:id="rId8"/>
+    <p:sldId id="272" r:id="rId9"/>
+    <p:sldId id="274" r:id="rId10"/>
+    <p:sldId id="275" r:id="rId11"/>
   </p:sldIdLst>
   <p:sldSz cx="12192000" cy="6858000"/>
   <p:notesSz cx="6858000" cy="9144000"/>
@@ -221,7 +224,7 @@
           <a:p>
             <a:fld id="{C6EFC1F5-31F6-42DA-8750-A2B9B6EC7C0C}" type="datetimeFigureOut">
               <a:rPr lang="en-US" smtClean="0"/>
-              <a:t>10/12/2020</a:t>
+              <a:t>10/13/2020</a:t>
             </a:fld>
             <a:endParaRPr lang="en-US"/>
           </a:p>
@@ -398,7 +401,7 @@
           <a:p>
             <a:fld id="{4D1F9BE1-5091-46A0-82C2-8EA5C97BD1FD}" type="datetimeFigureOut">
               <a:rPr lang="en-US" smtClean="0"/>
-              <a:t>10/12/2020</a:t>
+              <a:t>10/13/2020</a:t>
             </a:fld>
             <a:endParaRPr lang="en-US"/>
           </a:p>
@@ -7905,8 +7908,8 @@
         </p:nvGrpSpPr>
         <p:grpSpPr>
           <a:xfrm>
-            <a:off x="0" y="0"/>
-            <a:ext cx="11609853" cy="6861135"/>
+            <a:off x="2333" y="649852"/>
+            <a:ext cx="9688592" cy="6062868"/>
             <a:chOff x="229690" y="624044"/>
             <a:chExt cx="11380163" cy="6237091"/>
           </a:xfrm>
@@ -7977,6 +7980,80 @@
           </p:txBody>
         </p:sp>
       </p:grpSp>
+      <p:sp>
+        <p:nvSpPr>
+          <p:cNvPr id="4" name="TextBox 3">
+            <a:extLst>
+              <a:ext uri="{FF2B5EF4-FFF2-40B4-BE49-F238E27FC236}">
+                <a16:creationId xmlns:a16="http://schemas.microsoft.com/office/drawing/2014/main" id="{EFD05682-A1F3-D04D-BF9F-C4AD9F980CA7}"/>
+              </a:ext>
+            </a:extLst>
+          </p:cNvPr>
+          <p:cNvSpPr txBox="1"/>
+          <p:nvPr/>
+        </p:nvSpPr>
+        <p:spPr>
+          <a:xfrm>
+            <a:off x="9620405" y="1818861"/>
+            <a:ext cx="2446257" cy="2554545"/>
+          </a:xfrm>
+          <a:prstGeom prst="rect">
+            <a:avLst/>
+          </a:prstGeom>
+          <a:noFill/>
+        </p:spPr>
+        <p:txBody>
+          <a:bodyPr wrap="square" rtlCol="0">
+            <a:spAutoFit/>
+          </a:bodyPr>
+          <a:lstStyle/>
+          <a:p>
+            <a:pPr marL="290513" indent="-176213">
+              <a:buFont typeface="Arial" panose="020B0604020202020204" pitchFamily="34" charset="0"/>
+              <a:buChar char="•"/>
+            </a:pPr>
+            <a:r>
+              <a:rPr lang="en-US" sz="1600" b="1" dirty="0"/>
+              <a:t>Colorado (47) has the most breweries.</a:t>
+            </a:r>
+          </a:p>
+          <a:p>
+            <a:pPr marL="290513" indent="-290513"/>
+            <a:endParaRPr lang="en-US" sz="1600" b="1" dirty="0"/>
+          </a:p>
+          <a:p>
+            <a:pPr marL="290513" indent="-176213">
+              <a:buFont typeface="Arial" panose="020B0604020202020204" pitchFamily="34" charset="0"/>
+              <a:buChar char="•"/>
+            </a:pPr>
+            <a:r>
+              <a:rPr lang="en-US" sz="1600" b="1" dirty="0"/>
+              <a:t>California (39), Michigan (32), </a:t>
+            </a:r>
+          </a:p>
+          <a:p>
+            <a:pPr marL="290513" indent="-290513"/>
+            <a:r>
+              <a:rPr lang="en-US" sz="1600" b="1" dirty="0"/>
+              <a:t>     Oregon (29) and </a:t>
+            </a:r>
+            <a:br>
+              <a:rPr lang="en-US" sz="1600" b="1" dirty="0"/>
+            </a:br>
+            <a:r>
+              <a:rPr lang="en-US" sz="1600" b="1" dirty="0"/>
+              <a:t>Texas (28) </a:t>
+            </a:r>
+            <a:br>
+              <a:rPr lang="en-US" sz="1600" b="1" dirty="0"/>
+            </a:br>
+            <a:r>
+              <a:rPr lang="en-US" sz="1600" b="1" dirty="0"/>
+              <a:t>are the next top four states with max breweries.</a:t>
+            </a:r>
+          </a:p>
+        </p:txBody>
+      </p:sp>
     </p:spTree>
     <p:extLst>
       <p:ext uri="{BB962C8B-B14F-4D97-AF65-F5344CB8AC3E}">
@@ -8009,6 +8086,242 @@
       </p:grpSpPr>
       <p:sp>
         <p:nvSpPr>
+          <p:cNvPr id="2" name="Title 1">
+            <a:extLst>
+              <a:ext uri="{FF2B5EF4-FFF2-40B4-BE49-F238E27FC236}">
+                <a16:creationId xmlns:a16="http://schemas.microsoft.com/office/drawing/2014/main" id="{0D1BD491-1FAE-204A-9D60-D53957152EA2}"/>
+              </a:ext>
+            </a:extLst>
+          </p:cNvPr>
+          <p:cNvSpPr>
+            <a:spLocks noGrp="1"/>
+          </p:cNvSpPr>
+          <p:nvPr>
+            <p:ph type="title"/>
+          </p:nvPr>
+        </p:nvSpPr>
+        <p:spPr/>
+        <p:txBody>
+          <a:bodyPr/>
+          <a:lstStyle/>
+          <a:p>
+            <a:r>
+              <a:rPr lang="en-US" dirty="0"/>
+              <a:t>Missing Values</a:t>
+            </a:r>
+          </a:p>
+        </p:txBody>
+      </p:sp>
+      <p:sp>
+        <p:nvSpPr>
+          <p:cNvPr id="3" name="Slide Number Placeholder 2">
+            <a:extLst>
+              <a:ext uri="{FF2B5EF4-FFF2-40B4-BE49-F238E27FC236}">
+                <a16:creationId xmlns:a16="http://schemas.microsoft.com/office/drawing/2014/main" id="{C1E26537-CE30-8442-A15A-A602D29B5490}"/>
+              </a:ext>
+            </a:extLst>
+          </p:cNvPr>
+          <p:cNvSpPr>
+            <a:spLocks noGrp="1"/>
+          </p:cNvSpPr>
+          <p:nvPr>
+            <p:ph type="sldNum" sz="quarter" idx="12"/>
+          </p:nvPr>
+        </p:nvSpPr>
+        <p:spPr/>
+        <p:txBody>
+          <a:bodyPr/>
+          <a:lstStyle/>
+          <a:p>
+            <a:fld id="{6D22F896-40B5-4ADD-8801-0D06FADFA095}" type="slidenum">
+              <a:rPr lang="en-US" smtClean="0"/>
+              <a:pPr/>
+              <a:t>3</a:t>
+            </a:fld>
+            <a:endParaRPr lang="en-US" dirty="0"/>
+          </a:p>
+        </p:txBody>
+      </p:sp>
+      <p:pic>
+        <p:nvPicPr>
+          <p:cNvPr id="4" name="Picture 3">
+            <a:extLst>
+              <a:ext uri="{FF2B5EF4-FFF2-40B4-BE49-F238E27FC236}">
+                <a16:creationId xmlns:a16="http://schemas.microsoft.com/office/drawing/2014/main" id="{E4CC787A-5B65-5C45-989E-5D11E632B54C}"/>
+              </a:ext>
+            </a:extLst>
+          </p:cNvPr>
+          <p:cNvPicPr>
+            <a:picLocks noChangeAspect="1"/>
+          </p:cNvPicPr>
+          <p:nvPr/>
+        </p:nvPicPr>
+        <p:blipFill>
+          <a:blip r:embed="rId2"/>
+          <a:stretch>
+            <a:fillRect/>
+          </a:stretch>
+        </p:blipFill>
+        <p:spPr>
+          <a:xfrm>
+            <a:off x="69597" y="752707"/>
+            <a:ext cx="9088249" cy="4859527"/>
+          </a:xfrm>
+          <a:prstGeom prst="rect">
+            <a:avLst/>
+          </a:prstGeom>
+        </p:spPr>
+      </p:pic>
+      <p:sp>
+        <p:nvSpPr>
+          <p:cNvPr id="5" name="TextBox 4">
+            <a:extLst>
+              <a:ext uri="{FF2B5EF4-FFF2-40B4-BE49-F238E27FC236}">
+                <a16:creationId xmlns:a16="http://schemas.microsoft.com/office/drawing/2014/main" id="{230E6304-5FDC-AD43-85D6-43A2416B6E42}"/>
+              </a:ext>
+            </a:extLst>
+          </p:cNvPr>
+          <p:cNvSpPr txBox="1"/>
+          <p:nvPr/>
+        </p:nvSpPr>
+        <p:spPr>
+          <a:xfrm>
+            <a:off x="0" y="6058141"/>
+            <a:ext cx="11224470" cy="646331"/>
+          </a:xfrm>
+          <a:prstGeom prst="rect">
+            <a:avLst/>
+          </a:prstGeom>
+          <a:noFill/>
+        </p:spPr>
+        <p:txBody>
+          <a:bodyPr wrap="square" rtlCol="0">
+            <a:spAutoFit/>
+          </a:bodyPr>
+          <a:lstStyle/>
+          <a:p>
+            <a:r>
+              <a:rPr lang="en-US" dirty="0"/>
+              <a:t>As we don’t want to make up or assume any data, we decided to remove all missing values before doing further analysis.</a:t>
+            </a:r>
+          </a:p>
+        </p:txBody>
+      </p:sp>
+      <p:sp>
+        <p:nvSpPr>
+          <p:cNvPr id="7" name="TextBox 6">
+            <a:extLst>
+              <a:ext uri="{FF2B5EF4-FFF2-40B4-BE49-F238E27FC236}">
+                <a16:creationId xmlns:a16="http://schemas.microsoft.com/office/drawing/2014/main" id="{E49475A1-1B7F-416B-A83A-C7DF7CBB3663}"/>
+              </a:ext>
+            </a:extLst>
+          </p:cNvPr>
+          <p:cNvSpPr txBox="1"/>
+          <p:nvPr/>
+        </p:nvSpPr>
+        <p:spPr>
+          <a:xfrm>
+            <a:off x="9078718" y="921075"/>
+            <a:ext cx="3124198" cy="1077218"/>
+          </a:xfrm>
+          <a:prstGeom prst="rect">
+            <a:avLst/>
+          </a:prstGeom>
+          <a:noFill/>
+        </p:spPr>
+        <p:txBody>
+          <a:bodyPr wrap="square">
+            <a:spAutoFit/>
+          </a:bodyPr>
+          <a:lstStyle/>
+          <a:p>
+            <a:pPr marL="285750" indent="-171450">
+              <a:lnSpc>
+                <a:spcPct val="300000"/>
+              </a:lnSpc>
+              <a:buFont typeface="Arial" panose="020B0604020202020204" pitchFamily="34" charset="0"/>
+              <a:buChar char="•"/>
+            </a:pPr>
+            <a:r>
+              <a:rPr lang="en-US" sz="1600" b="1" dirty="0"/>
+              <a:t>1005 missing values in IBU</a:t>
+            </a:r>
+          </a:p>
+          <a:p>
+            <a:pPr marL="285750" indent="-171450">
+              <a:buFont typeface="Arial" panose="020B0604020202020204" pitchFamily="34" charset="0"/>
+              <a:buChar char="•"/>
+            </a:pPr>
+            <a:r>
+              <a:rPr lang="en-US" sz="1600" b="1" dirty="0"/>
+              <a:t>62 missing values in ABV</a:t>
+            </a:r>
+          </a:p>
+        </p:txBody>
+      </p:sp>
+    </p:spTree>
+    <p:extLst>
+      <p:ext uri="{BB962C8B-B14F-4D97-AF65-F5344CB8AC3E}">
+        <p14:creationId xmlns:p14="http://schemas.microsoft.com/office/powerpoint/2010/main" val="886724196"/>
+      </p:ext>
+    </p:extLst>
+  </p:cSld>
+  <p:clrMapOvr>
+    <a:masterClrMapping/>
+  </p:clrMapOvr>
+</p:sld>
+</file>
+
+<file path=ppt/slides/slide4.xml><?xml version="1.0" encoding="utf-8"?>
+<p:sld xmlns:a="http://schemas.openxmlformats.org/drawingml/2006/main" xmlns:r="http://schemas.openxmlformats.org/officeDocument/2006/relationships" xmlns:p="http://schemas.openxmlformats.org/presentationml/2006/main">
+  <p:cSld>
+    <p:spTree>
+      <p:nvGrpSpPr>
+        <p:cNvPr id="1" name=""/>
+        <p:cNvGrpSpPr/>
+        <p:nvPr/>
+      </p:nvGrpSpPr>
+      <p:grpSpPr>
+        <a:xfrm>
+          <a:off x="0" y="0"/>
+          <a:ext cx="0" cy="0"/>
+          <a:chOff x="0" y="0"/>
+          <a:chExt cx="0" cy="0"/>
+        </a:xfrm>
+      </p:grpSpPr>
+      <p:sp>
+        <p:nvSpPr>
+          <p:cNvPr id="8" name="Title 7">
+            <a:extLst>
+              <a:ext uri="{FF2B5EF4-FFF2-40B4-BE49-F238E27FC236}">
+                <a16:creationId xmlns:a16="http://schemas.microsoft.com/office/drawing/2014/main" id="{495B03A8-939D-489D-9C7E-563D727CEAC8}"/>
+              </a:ext>
+            </a:extLst>
+          </p:cNvPr>
+          <p:cNvSpPr>
+            <a:spLocks noGrp="1"/>
+          </p:cNvSpPr>
+          <p:nvPr>
+            <p:ph type="title"/>
+          </p:nvPr>
+        </p:nvSpPr>
+        <p:spPr/>
+        <p:txBody>
+          <a:bodyPr>
+            <a:normAutofit/>
+          </a:bodyPr>
+          <a:lstStyle/>
+          <a:p>
+            <a:r>
+              <a:rPr lang="en-US" b="1" dirty="0"/>
+              <a:t>Median ABV and IBU Content by state</a:t>
+            </a:r>
+            <a:endParaRPr lang="en-US" dirty="0"/>
+          </a:p>
+        </p:txBody>
+      </p:sp>
+      <p:sp>
+        <p:nvSpPr>
           <p:cNvPr id="3" name="Slide Number Placeholder 2">
             <a:extLst>
               <a:ext uri="{FF2B5EF4-FFF2-40B4-BE49-F238E27FC236}">
@@ -8031,100 +8344,79 @@
             <a:fld id="{6D22F896-40B5-4ADD-8801-0D06FADFA095}" type="slidenum">
               <a:rPr lang="en-US" smtClean="0"/>
               <a:pPr/>
-              <a:t>3</a:t>
+              <a:t>4</a:t>
             </a:fld>
             <a:endParaRPr lang="en-US" dirty="0"/>
           </a:p>
         </p:txBody>
       </p:sp>
-      <p:grpSp>
-        <p:nvGrpSpPr>
-          <p:cNvPr id="5" name="Group 4">
+      <p:pic>
+        <p:nvPicPr>
+          <p:cNvPr id="4" name="Picture 3">
             <a:extLst>
               <a:ext uri="{FF2B5EF4-FFF2-40B4-BE49-F238E27FC236}">
-                <a16:creationId xmlns:a16="http://schemas.microsoft.com/office/drawing/2014/main" id="{413440A9-F391-4FF0-8A04-B586FCD3EC56}"/>
+                <a16:creationId xmlns:a16="http://schemas.microsoft.com/office/drawing/2014/main" id="{A712E3DA-1BD0-4AB3-978F-4328D9D34598}"/>
               </a:ext>
             </a:extLst>
           </p:cNvPr>
-          <p:cNvGrpSpPr/>
+          <p:cNvPicPr>
+            <a:picLocks noChangeAspect="1"/>
+          </p:cNvPicPr>
           <p:nvPr/>
-        </p:nvGrpSpPr>
-        <p:grpSpPr>
-          <a:xfrm>
-            <a:off x="0" y="239725"/>
-            <a:ext cx="11755174" cy="6618275"/>
-            <a:chOff x="0" y="239725"/>
-            <a:chExt cx="11755174" cy="6618275"/>
-          </a:xfrm>
-        </p:grpSpPr>
-        <p:pic>
-          <p:nvPicPr>
-            <p:cNvPr id="4" name="Picture 3">
-              <a:extLst>
-                <a:ext uri="{FF2B5EF4-FFF2-40B4-BE49-F238E27FC236}">
-                  <a16:creationId xmlns:a16="http://schemas.microsoft.com/office/drawing/2014/main" id="{A712E3DA-1BD0-4AB3-978F-4328D9D34598}"/>
-                </a:ext>
-              </a:extLst>
-            </p:cNvPr>
-            <p:cNvPicPr>
-              <a:picLocks noChangeAspect="1"/>
-            </p:cNvPicPr>
-            <p:nvPr/>
-          </p:nvPicPr>
-          <p:blipFill rotWithShape="1">
-            <a:blip r:embed="rId2"/>
-            <a:srcRect t="1" b="-2463"/>
-            <a:stretch/>
-          </p:blipFill>
-          <p:spPr>
-            <a:xfrm>
-              <a:off x="0" y="239725"/>
-              <a:ext cx="11755174" cy="6618275"/>
-            </a:xfrm>
-            <a:prstGeom prst="rect">
-              <a:avLst/>
-            </a:prstGeom>
-            <a:solidFill>
-              <a:schemeClr val="bg1"/>
-            </a:solidFill>
-          </p:spPr>
-        </p:pic>
-        <p:sp>
-          <p:nvSpPr>
-            <p:cNvPr id="9" name="TextBox 8">
-              <a:extLst>
-                <a:ext uri="{FF2B5EF4-FFF2-40B4-BE49-F238E27FC236}">
-                  <a16:creationId xmlns:a16="http://schemas.microsoft.com/office/drawing/2014/main" id="{BAB53C59-E03D-4ECE-A38C-01F1E93142E9}"/>
-                </a:ext>
-              </a:extLst>
-            </p:cNvPr>
-            <p:cNvSpPr txBox="1"/>
-            <p:nvPr/>
-          </p:nvSpPr>
-          <p:spPr>
-            <a:xfrm>
-              <a:off x="8235840" y="6603605"/>
-              <a:ext cx="2943434" cy="253916"/>
-            </a:xfrm>
-            <a:prstGeom prst="rect">
-              <a:avLst/>
-            </a:prstGeom>
-            <a:noFill/>
-          </p:spPr>
-          <p:txBody>
-            <a:bodyPr wrap="none" rtlCol="0">
-              <a:spAutoFit/>
-            </a:bodyPr>
-            <a:lstStyle/>
-            <a:p>
-              <a:r>
-                <a:rPr lang="en-US" sz="1050" dirty="0"/>
-                <a:t>*South Dakota (SD) has no IBU values in data</a:t>
-              </a:r>
-            </a:p>
-          </p:txBody>
-        </p:sp>
-      </p:grpSp>
+        </p:nvPicPr>
+        <p:blipFill rotWithShape="1">
+          <a:blip r:embed="rId2"/>
+          <a:srcRect t="1" b="-2463"/>
+          <a:stretch/>
+        </p:blipFill>
+        <p:spPr>
+          <a:xfrm>
+            <a:off x="129473" y="723900"/>
+            <a:ext cx="8877300" cy="5894375"/>
+          </a:xfrm>
+          <a:prstGeom prst="rect">
+            <a:avLst/>
+          </a:prstGeom>
+          <a:solidFill>
+            <a:schemeClr val="bg1"/>
+          </a:solidFill>
+        </p:spPr>
+      </p:pic>
+      <p:sp>
+        <p:nvSpPr>
+          <p:cNvPr id="9" name="TextBox 8">
+            <a:extLst>
+              <a:ext uri="{FF2B5EF4-FFF2-40B4-BE49-F238E27FC236}">
+                <a16:creationId xmlns:a16="http://schemas.microsoft.com/office/drawing/2014/main" id="{BAB53C59-E03D-4ECE-A38C-01F1E93142E9}"/>
+              </a:ext>
+            </a:extLst>
+          </p:cNvPr>
+          <p:cNvSpPr txBox="1"/>
+          <p:nvPr/>
+        </p:nvSpPr>
+        <p:spPr>
+          <a:xfrm>
+            <a:off x="6076424" y="6580938"/>
+            <a:ext cx="3045588" cy="253916"/>
+          </a:xfrm>
+          <a:prstGeom prst="rect">
+            <a:avLst/>
+          </a:prstGeom>
+          <a:noFill/>
+        </p:spPr>
+        <p:txBody>
+          <a:bodyPr wrap="square" rtlCol="0">
+            <a:spAutoFit/>
+          </a:bodyPr>
+          <a:lstStyle/>
+          <a:p>
+            <a:r>
+              <a:rPr lang="en-US" sz="1050" dirty="0"/>
+              <a:t>*South Dakota (SD) has no IBU values in data</a:t>
+            </a:r>
+          </a:p>
+        </p:txBody>
+      </p:sp>
       <p:sp>
         <p:nvSpPr>
           <p:cNvPr id="11" name="Rectangle 10">
@@ -8139,8 +8431,8 @@
         </p:nvSpPr>
         <p:spPr>
           <a:xfrm>
-            <a:off x="1986779" y="723900"/>
-            <a:ext cx="232064" cy="5913120"/>
+            <a:off x="1627740" y="1125415"/>
+            <a:ext cx="174353" cy="5257800"/>
           </a:xfrm>
           <a:prstGeom prst="rect">
             <a:avLst/>
@@ -8191,8 +8483,8 @@
         </p:nvSpPr>
         <p:spPr>
           <a:xfrm>
-            <a:off x="4129035" y="723900"/>
-            <a:ext cx="232064" cy="5913120"/>
+            <a:off x="3251675" y="1125415"/>
+            <a:ext cx="174353" cy="5257800"/>
           </a:xfrm>
           <a:prstGeom prst="rect">
             <a:avLst/>
@@ -8243,8 +8535,8 @@
         </p:nvSpPr>
         <p:spPr>
           <a:xfrm>
-            <a:off x="4992821" y="723900"/>
-            <a:ext cx="232064" cy="5913120"/>
+            <a:off x="3891603" y="1125414"/>
+            <a:ext cx="191788" cy="5257801"/>
           </a:xfrm>
           <a:prstGeom prst="rect">
             <a:avLst/>
@@ -8295,8 +8587,8 @@
         </p:nvSpPr>
         <p:spPr>
           <a:xfrm>
-            <a:off x="11012935" y="690011"/>
-            <a:ext cx="231242" cy="5913120"/>
+            <a:off x="8446246" y="1125414"/>
+            <a:ext cx="173735" cy="5257800"/>
           </a:xfrm>
           <a:prstGeom prst="rect">
             <a:avLst/>
@@ -8330,6 +8622,69 @@
           <a:p>
             <a:pPr algn="ctr"/>
             <a:endParaRPr lang="en-US"/>
+          </a:p>
+        </p:txBody>
+      </p:sp>
+      <p:sp>
+        <p:nvSpPr>
+          <p:cNvPr id="2" name="TextBox 1">
+            <a:extLst>
+              <a:ext uri="{FF2B5EF4-FFF2-40B4-BE49-F238E27FC236}">
+                <a16:creationId xmlns:a16="http://schemas.microsoft.com/office/drawing/2014/main" id="{DAC30744-C3DE-314F-A422-E2EA34E24034}"/>
+              </a:ext>
+            </a:extLst>
+          </p:cNvPr>
+          <p:cNvSpPr txBox="1"/>
+          <p:nvPr/>
+        </p:nvSpPr>
+        <p:spPr>
+          <a:xfrm>
+            <a:off x="9402945" y="938676"/>
+            <a:ext cx="2564527" cy="2831544"/>
+          </a:xfrm>
+          <a:prstGeom prst="rect">
+            <a:avLst/>
+          </a:prstGeom>
+          <a:noFill/>
+        </p:spPr>
+        <p:txBody>
+          <a:bodyPr wrap="square" rtlCol="0">
+            <a:spAutoFit/>
+          </a:bodyPr>
+          <a:lstStyle/>
+          <a:p>
+            <a:pPr marL="285750" indent="-171450">
+              <a:buFont typeface="Arial" panose="020B0604020202020204" pitchFamily="34" charset="0"/>
+              <a:buChar char="•"/>
+            </a:pPr>
+            <a:r>
+              <a:rPr lang="en-US" sz="1600" b="1" dirty="0"/>
+              <a:t>Washington DC and Kentucky have the highest median ABV values which are 6.25%.</a:t>
+            </a:r>
+          </a:p>
+          <a:p>
+            <a:pPr marL="285750" indent="-285750">
+              <a:buFont typeface="Arial" panose="020B0604020202020204" pitchFamily="34" charset="0"/>
+              <a:buChar char="•"/>
+            </a:pPr>
+            <a:endParaRPr lang="en-US" sz="1600" b="1" dirty="0"/>
+          </a:p>
+          <a:p>
+            <a:pPr marL="285750" indent="-171450">
+              <a:buFont typeface="Arial" panose="020B0604020202020204" pitchFamily="34" charset="0"/>
+              <a:buChar char="•"/>
+            </a:pPr>
+            <a:r>
+              <a:rPr lang="en-US" sz="1600" b="1" dirty="0"/>
+              <a:t>Maine has the highest median IBU value 61 followed by West Virginia 57.5.</a:t>
+            </a:r>
+          </a:p>
+          <a:p>
+            <a:pPr marL="285750" indent="-285750">
+              <a:buFont typeface="Arial" panose="020B0604020202020204" pitchFamily="34" charset="0"/>
+              <a:buChar char="•"/>
+            </a:pPr>
+            <a:endParaRPr lang="en-US" sz="1600" b="1" dirty="0"/>
           </a:p>
         </p:txBody>
       </p:sp>
@@ -8726,7 +9081,7 @@
 </p:sld>
 </file>
 
-<file path=ppt/slides/slide4.xml><?xml version="1.0" encoding="utf-8"?>
+<file path=ppt/slides/slide5.xml><?xml version="1.0" encoding="utf-8"?>
 <p:sld xmlns:a="http://schemas.openxmlformats.org/drawingml/2006/main" xmlns:r="http://schemas.openxmlformats.org/officeDocument/2006/relationships" xmlns:p="http://schemas.openxmlformats.org/presentationml/2006/main">
   <p:cSld>
     <p:spTree>
@@ -8745,6 +9100,37 @@
       </p:grpSpPr>
       <p:sp>
         <p:nvSpPr>
+          <p:cNvPr id="6" name="Title 5">
+            <a:extLst>
+              <a:ext uri="{FF2B5EF4-FFF2-40B4-BE49-F238E27FC236}">
+                <a16:creationId xmlns:a16="http://schemas.microsoft.com/office/drawing/2014/main" id="{723FA952-A949-4B38-9868-ABB6D6846843}"/>
+              </a:ext>
+            </a:extLst>
+          </p:cNvPr>
+          <p:cNvSpPr>
+            <a:spLocks noGrp="1"/>
+          </p:cNvSpPr>
+          <p:nvPr>
+            <p:ph type="title"/>
+          </p:nvPr>
+        </p:nvSpPr>
+        <p:spPr/>
+        <p:txBody>
+          <a:bodyPr>
+            <a:normAutofit/>
+          </a:bodyPr>
+          <a:lstStyle/>
+          <a:p>
+            <a:r>
+              <a:rPr lang="en-US" b="1" dirty="0"/>
+              <a:t>Maximum ABV and IBU by State</a:t>
+            </a:r>
+            <a:endParaRPr lang="en-US" dirty="0"/>
+          </a:p>
+        </p:txBody>
+      </p:sp>
+      <p:sp>
+        <p:nvSpPr>
           <p:cNvPr id="3" name="Slide Number Placeholder 2">
             <a:extLst>
               <a:ext uri="{FF2B5EF4-FFF2-40B4-BE49-F238E27FC236}">
@@ -8767,7 +9153,7 @@
             <a:fld id="{6D22F896-40B5-4ADD-8801-0D06FADFA095}" type="slidenum">
               <a:rPr lang="en-US" smtClean="0"/>
               <a:pPr/>
-              <a:t>4</a:t>
+              <a:t>5</a:t>
             </a:fld>
             <a:endParaRPr lang="en-US" dirty="0"/>
           </a:p>
@@ -8787,10 +9173,10 @@
         </p:nvGrpSpPr>
         <p:grpSpPr>
           <a:xfrm>
-            <a:off x="0" y="416353"/>
-            <a:ext cx="11515439" cy="6441647"/>
+            <a:off x="0" y="905435"/>
+            <a:ext cx="9530862" cy="5870164"/>
             <a:chOff x="0" y="416353"/>
-            <a:chExt cx="11515439" cy="6441647"/>
+            <a:chExt cx="11515439" cy="6792175"/>
           </a:xfrm>
         </p:grpSpPr>
         <p:pic>
@@ -8839,7 +9225,7 @@
           </p:nvSpPr>
           <p:spPr>
             <a:xfrm>
-              <a:off x="8235840" y="6603605"/>
+              <a:off x="8082329" y="6954612"/>
               <a:ext cx="2943434" cy="253916"/>
             </a:xfrm>
             <a:prstGeom prst="rect">
@@ -8875,8 +9261,8 @@
         </p:nvSpPr>
         <p:spPr>
           <a:xfrm>
-            <a:off x="1471325" y="582706"/>
-            <a:ext cx="266719" cy="645459"/>
+            <a:off x="1223555" y="1054904"/>
+            <a:ext cx="182880" cy="645459"/>
           </a:xfrm>
           <a:prstGeom prst="rect">
             <a:avLst/>
@@ -8927,8 +9313,218 @@
         </p:nvSpPr>
         <p:spPr>
           <a:xfrm>
-            <a:off x="8392078" y="3558989"/>
-            <a:ext cx="266719" cy="645459"/>
+            <a:off x="6954799" y="3590366"/>
+            <a:ext cx="191590" cy="645459"/>
+          </a:xfrm>
+          <a:prstGeom prst="rect">
+            <a:avLst/>
+          </a:prstGeom>
+          <a:noFill/>
+          <a:ln w="28575">
+            <a:solidFill>
+              <a:srgbClr val="FF0000"/>
+            </a:solidFill>
+          </a:ln>
+        </p:spPr>
+        <p:style>
+          <a:lnRef idx="2">
+            <a:schemeClr val="accent1">
+              <a:shade val="50000"/>
+            </a:schemeClr>
+          </a:lnRef>
+          <a:fillRef idx="1">
+            <a:schemeClr val="accent1"/>
+          </a:fillRef>
+          <a:effectRef idx="0">
+            <a:schemeClr val="accent1"/>
+          </a:effectRef>
+          <a:fontRef idx="minor">
+            <a:schemeClr val="lt1"/>
+          </a:fontRef>
+        </p:style>
+        <p:txBody>
+          <a:bodyPr rtlCol="0" anchor="ctr"/>
+          <a:lstStyle/>
+          <a:p>
+            <a:pPr algn="ctr"/>
+            <a:endParaRPr lang="en-US"/>
+          </a:p>
+        </p:txBody>
+      </p:sp>
+      <p:sp>
+        <p:nvSpPr>
+          <p:cNvPr id="2" name="TextBox 1">
+            <a:extLst>
+              <a:ext uri="{FF2B5EF4-FFF2-40B4-BE49-F238E27FC236}">
+                <a16:creationId xmlns:a16="http://schemas.microsoft.com/office/drawing/2014/main" id="{B1734E00-774C-6F41-87C4-DF8B6ED8B1E3}"/>
+              </a:ext>
+            </a:extLst>
+          </p:cNvPr>
+          <p:cNvSpPr txBox="1"/>
+          <p:nvPr/>
+        </p:nvSpPr>
+        <p:spPr>
+          <a:xfrm>
+            <a:off x="9530862" y="1228164"/>
+            <a:ext cx="2661138" cy="2062103"/>
+          </a:xfrm>
+          <a:prstGeom prst="rect">
+            <a:avLst/>
+          </a:prstGeom>
+          <a:noFill/>
+        </p:spPr>
+        <p:txBody>
+          <a:bodyPr wrap="square" rtlCol="0">
+            <a:spAutoFit/>
+          </a:bodyPr>
+          <a:lstStyle/>
+          <a:p>
+            <a:pPr marL="285750" indent="-285750">
+              <a:buFont typeface="Arial" panose="020B0604020202020204" pitchFamily="34" charset="0"/>
+              <a:buChar char="•"/>
+            </a:pPr>
+            <a:r>
+              <a:rPr lang="en-US" sz="1600" b="1" dirty="0"/>
+              <a:t>The State with the maximum ABV beer is Colorado (12.8%).</a:t>
+            </a:r>
+          </a:p>
+          <a:p>
+            <a:pPr marL="285750" indent="-285750">
+              <a:buFont typeface="Arial" panose="020B0604020202020204" pitchFamily="34" charset="0"/>
+              <a:buChar char="•"/>
+            </a:pPr>
+            <a:r>
+              <a:rPr lang="en-US" sz="1600" b="1" dirty="0"/>
+              <a:t>This is Upslope Brewing Company’s Lee Hill Series Vol.5- Belgian Style </a:t>
+            </a:r>
+            <a:r>
+              <a:rPr lang="en-US" sz="1600" b="1" dirty="0" err="1"/>
+              <a:t>Quadrupel</a:t>
+            </a:r>
+            <a:r>
+              <a:rPr lang="en-US" sz="1600" b="1" dirty="0"/>
+              <a:t> Ale.</a:t>
+            </a:r>
+          </a:p>
+        </p:txBody>
+      </p:sp>
+      <p:sp>
+        <p:nvSpPr>
+          <p:cNvPr id="10" name="TextBox 9">
+            <a:extLst>
+              <a:ext uri="{FF2B5EF4-FFF2-40B4-BE49-F238E27FC236}">
+                <a16:creationId xmlns:a16="http://schemas.microsoft.com/office/drawing/2014/main" id="{1E14AC6B-9999-754B-BE13-A77C201F6E57}"/>
+              </a:ext>
+            </a:extLst>
+          </p:cNvPr>
+          <p:cNvSpPr txBox="1"/>
+          <p:nvPr/>
+        </p:nvSpPr>
+        <p:spPr>
+          <a:xfrm>
+            <a:off x="9530862" y="3576918"/>
+            <a:ext cx="2704681" cy="1815882"/>
+          </a:xfrm>
+          <a:prstGeom prst="rect">
+            <a:avLst/>
+          </a:prstGeom>
+          <a:noFill/>
+        </p:spPr>
+        <p:txBody>
+          <a:bodyPr wrap="square" rtlCol="0">
+            <a:spAutoFit/>
+          </a:bodyPr>
+          <a:lstStyle/>
+          <a:p>
+            <a:pPr marL="285750" indent="-285750">
+              <a:buFont typeface="Arial" panose="020B0604020202020204" pitchFamily="34" charset="0"/>
+              <a:buChar char="•"/>
+            </a:pPr>
+            <a:r>
+              <a:rPr lang="en-US" sz="1600" b="1" dirty="0"/>
+              <a:t>The State with the maximum IBU beer is Oregon (138 IBU).</a:t>
+            </a:r>
+          </a:p>
+          <a:p>
+            <a:pPr marL="285750" indent="-285750">
+              <a:buFont typeface="Arial" panose="020B0604020202020204" pitchFamily="34" charset="0"/>
+              <a:buChar char="•"/>
+            </a:pPr>
+            <a:r>
+              <a:rPr lang="en-US" sz="1600" b="1" dirty="0"/>
+              <a:t>This is Astoria Brewing Company’s Bitter Bitch Imperial IPA.</a:t>
+            </a:r>
+          </a:p>
+        </p:txBody>
+      </p:sp>
+      <p:sp>
+        <p:nvSpPr>
+          <p:cNvPr id="15" name="Rectangle 14">
+            <a:extLst>
+              <a:ext uri="{FF2B5EF4-FFF2-40B4-BE49-F238E27FC236}">
+                <a16:creationId xmlns:a16="http://schemas.microsoft.com/office/drawing/2014/main" id="{AA2D4D0D-3BF4-4784-A489-886C622C01D1}"/>
+              </a:ext>
+            </a:extLst>
+          </p:cNvPr>
+          <p:cNvSpPr/>
+          <p:nvPr/>
+        </p:nvSpPr>
+        <p:spPr>
+          <a:xfrm>
+            <a:off x="1201206" y="6152587"/>
+            <a:ext cx="227578" cy="168929"/>
+          </a:xfrm>
+          <a:prstGeom prst="rect">
+            <a:avLst/>
+          </a:prstGeom>
+          <a:noFill/>
+          <a:ln w="28575">
+            <a:solidFill>
+              <a:srgbClr val="FF0000"/>
+            </a:solidFill>
+          </a:ln>
+        </p:spPr>
+        <p:style>
+          <a:lnRef idx="2">
+            <a:schemeClr val="accent1">
+              <a:shade val="50000"/>
+            </a:schemeClr>
+          </a:lnRef>
+          <a:fillRef idx="1">
+            <a:schemeClr val="accent1"/>
+          </a:fillRef>
+          <a:effectRef idx="0">
+            <a:schemeClr val="accent1"/>
+          </a:effectRef>
+          <a:fontRef idx="minor">
+            <a:schemeClr val="lt1"/>
+          </a:fontRef>
+        </p:style>
+        <p:txBody>
+          <a:bodyPr rtlCol="0" anchor="ctr"/>
+          <a:lstStyle/>
+          <a:p>
+            <a:pPr algn="ctr"/>
+            <a:endParaRPr lang="en-US"/>
+          </a:p>
+        </p:txBody>
+      </p:sp>
+      <p:sp>
+        <p:nvSpPr>
+          <p:cNvPr id="16" name="Rectangle 15">
+            <a:extLst>
+              <a:ext uri="{FF2B5EF4-FFF2-40B4-BE49-F238E27FC236}">
+                <a16:creationId xmlns:a16="http://schemas.microsoft.com/office/drawing/2014/main" id="{FC655BD7-EB7B-4176-84A6-3CA325AB2DB3}"/>
+              </a:ext>
+            </a:extLst>
+          </p:cNvPr>
+          <p:cNvSpPr/>
+          <p:nvPr/>
+        </p:nvSpPr>
+        <p:spPr>
+          <a:xfrm>
+            <a:off x="6936805" y="6159101"/>
+            <a:ext cx="227578" cy="168929"/>
           </a:xfrm>
           <a:prstGeom prst="rect">
             <a:avLst/>
@@ -9165,6 +9761,188 @@
                       </p:childTnLst>
                     </p:cTn>
                   </p:par>
+                  <p:par>
+                    <p:cTn id="15" fill="hold">
+                      <p:stCondLst>
+                        <p:cond delay="indefinite"/>
+                      </p:stCondLst>
+                      <p:childTnLst>
+                        <p:par>
+                          <p:cTn id="16" fill="hold">
+                            <p:stCondLst>
+                              <p:cond delay="0"/>
+                            </p:stCondLst>
+                            <p:childTnLst>
+                              <p:par>
+                                <p:cTn id="17" presetID="2" presetClass="entr" presetSubtype="4" fill="hold" grpId="0" nodeType="clickEffect">
+                                  <p:stCondLst>
+                                    <p:cond delay="0"/>
+                                  </p:stCondLst>
+                                  <p:childTnLst>
+                                    <p:set>
+                                      <p:cBhvr>
+                                        <p:cTn id="18" dur="1" fill="hold">
+                                          <p:stCondLst>
+                                            <p:cond delay="0"/>
+                                          </p:stCondLst>
+                                        </p:cTn>
+                                        <p:tgtEl>
+                                          <p:spTgt spid="15"/>
+                                        </p:tgtEl>
+                                        <p:attrNameLst>
+                                          <p:attrName>style.visibility</p:attrName>
+                                        </p:attrNameLst>
+                                      </p:cBhvr>
+                                      <p:to>
+                                        <p:strVal val="visible"/>
+                                      </p:to>
+                                    </p:set>
+                                    <p:anim calcmode="lin" valueType="num">
+                                      <p:cBhvr additive="base">
+                                        <p:cTn id="19" dur="500" fill="hold"/>
+                                        <p:tgtEl>
+                                          <p:spTgt spid="15"/>
+                                        </p:tgtEl>
+                                        <p:attrNameLst>
+                                          <p:attrName>ppt_x</p:attrName>
+                                        </p:attrNameLst>
+                                      </p:cBhvr>
+                                      <p:tavLst>
+                                        <p:tav tm="0">
+                                          <p:val>
+                                            <p:strVal val="#ppt_x"/>
+                                          </p:val>
+                                        </p:tav>
+                                        <p:tav tm="100000">
+                                          <p:val>
+                                            <p:strVal val="#ppt_x"/>
+                                          </p:val>
+                                        </p:tav>
+                                      </p:tavLst>
+                                    </p:anim>
+                                    <p:anim calcmode="lin" valueType="num">
+                                      <p:cBhvr additive="base">
+                                        <p:cTn id="20" dur="500" fill="hold"/>
+                                        <p:tgtEl>
+                                          <p:spTgt spid="15"/>
+                                        </p:tgtEl>
+                                        <p:attrNameLst>
+                                          <p:attrName>ppt_y</p:attrName>
+                                        </p:attrNameLst>
+                                      </p:cBhvr>
+                                      <p:tavLst>
+                                        <p:tav tm="0">
+                                          <p:val>
+                                            <p:strVal val="1+#ppt_h/2"/>
+                                          </p:val>
+                                        </p:tav>
+                                        <p:tav tm="100000">
+                                          <p:val>
+                                            <p:strVal val="#ppt_y"/>
+                                          </p:val>
+                                        </p:tav>
+                                      </p:tavLst>
+                                    </p:anim>
+                                  </p:childTnLst>
+                                </p:cTn>
+                              </p:par>
+                            </p:childTnLst>
+                          </p:cTn>
+                        </p:par>
+                      </p:childTnLst>
+                    </p:cTn>
+                  </p:par>
+                  <p:par>
+                    <p:cTn id="21" fill="hold">
+                      <p:stCondLst>
+                        <p:cond delay="indefinite"/>
+                      </p:stCondLst>
+                      <p:childTnLst>
+                        <p:par>
+                          <p:cTn id="22" fill="hold">
+                            <p:stCondLst>
+                              <p:cond delay="0"/>
+                            </p:stCondLst>
+                            <p:childTnLst>
+                              <p:par>
+                                <p:cTn id="23" presetID="2" presetClass="entr" presetSubtype="4" fill="hold" grpId="0" nodeType="clickEffect">
+                                  <p:stCondLst>
+                                    <p:cond delay="0"/>
+                                  </p:stCondLst>
+                                  <p:childTnLst>
+                                    <p:set>
+                                      <p:cBhvr>
+                                        <p:cTn id="24" dur="1" fill="hold">
+                                          <p:stCondLst>
+                                            <p:cond delay="0"/>
+                                          </p:stCondLst>
+                                        </p:cTn>
+                                        <p:tgtEl>
+                                          <p:spTgt spid="16"/>
+                                        </p:tgtEl>
+                                        <p:attrNameLst>
+                                          <p:attrName>style.visibility</p:attrName>
+                                        </p:attrNameLst>
+                                      </p:cBhvr>
+                                      <p:to>
+                                        <p:strVal val="visible"/>
+                                      </p:to>
+                                    </p:set>
+                                    <p:anim calcmode="lin" valueType="num">
+                                      <p:cBhvr additive="base">
+                                        <p:cTn id="25" dur="500" fill="hold"/>
+                                        <p:tgtEl>
+                                          <p:spTgt spid="16"/>
+                                        </p:tgtEl>
+                                        <p:attrNameLst>
+                                          <p:attrName>ppt_x</p:attrName>
+                                        </p:attrNameLst>
+                                      </p:cBhvr>
+                                      <p:tavLst>
+                                        <p:tav tm="0">
+                                          <p:val>
+                                            <p:strVal val="#ppt_x"/>
+                                          </p:val>
+                                        </p:tav>
+                                        <p:tav tm="100000">
+                                          <p:val>
+                                            <p:strVal val="#ppt_x"/>
+                                          </p:val>
+                                        </p:tav>
+                                      </p:tavLst>
+                                    </p:anim>
+                                    <p:anim calcmode="lin" valueType="num">
+                                      <p:cBhvr additive="base">
+                                        <p:cTn id="26" dur="500" fill="hold"/>
+                                        <p:tgtEl>
+                                          <p:spTgt spid="16"/>
+                                        </p:tgtEl>
+                                        <p:attrNameLst>
+                                          <p:attrName>ppt_y</p:attrName>
+                                        </p:attrNameLst>
+                                      </p:cBhvr>
+                                      <p:tavLst>
+                                        <p:tav tm="0">
+                                          <p:val>
+                                            <p:strVal val="1+#ppt_h/2"/>
+                                          </p:val>
+                                        </p:tav>
+                                        <p:tav tm="100000">
+                                          <p:val>
+                                            <p:strVal val="#ppt_y"/>
+                                          </p:val>
+                                        </p:tav>
+                                      </p:tavLst>
+                                    </p:anim>
+                                  </p:childTnLst>
+                                </p:cTn>
+                              </p:par>
+                            </p:childTnLst>
+                          </p:cTn>
+                        </p:par>
+                      </p:childTnLst>
+                    </p:cTn>
+                  </p:par>
                 </p:childTnLst>
               </p:cTn>
               <p:prevCondLst>
@@ -9189,12 +9967,14 @@
     <p:bldLst>
       <p:bldP spid="13" grpId="0" animBg="1"/>
       <p:bldP spid="14" grpId="0" animBg="1"/>
+      <p:bldP spid="15" grpId="0" animBg="1"/>
+      <p:bldP spid="16" grpId="0" animBg="1"/>
     </p:bldLst>
   </p:timing>
 </p:sld>
 </file>
 
-<file path=ppt/slides/slide5.xml><?xml version="1.0" encoding="utf-8"?>
+<file path=ppt/slides/slide6.xml><?xml version="1.0" encoding="utf-8"?>
 <p:sld xmlns:a="http://schemas.openxmlformats.org/drawingml/2006/main" xmlns:r="http://schemas.openxmlformats.org/officeDocument/2006/relationships" xmlns:p="http://schemas.openxmlformats.org/presentationml/2006/main">
   <p:cSld>
     <p:spTree>
@@ -9213,6 +9993,40 @@
       </p:grpSpPr>
       <p:sp>
         <p:nvSpPr>
+          <p:cNvPr id="6" name="Title 5">
+            <a:extLst>
+              <a:ext uri="{FF2B5EF4-FFF2-40B4-BE49-F238E27FC236}">
+                <a16:creationId xmlns:a16="http://schemas.microsoft.com/office/drawing/2014/main" id="{C3B3EF2A-71C4-486D-BBFC-D08A5E904932}"/>
+              </a:ext>
+            </a:extLst>
+          </p:cNvPr>
+          <p:cNvSpPr>
+            <a:spLocks noGrp="1"/>
+          </p:cNvSpPr>
+          <p:nvPr>
+            <p:ph type="title"/>
+          </p:nvPr>
+        </p:nvSpPr>
+        <p:spPr/>
+        <p:txBody>
+          <a:bodyPr>
+            <a:normAutofit fontScale="90000"/>
+          </a:bodyPr>
+          <a:lstStyle/>
+          <a:p>
+            <a:r>
+              <a:rPr lang="en-US" b="1" dirty="0"/>
+              <a:t>Distribution of ABV</a:t>
+            </a:r>
+            <a:br>
+              <a:rPr lang="en-US" b="1" dirty="0"/>
+            </a:br>
+            <a:endParaRPr lang="en-US" dirty="0"/>
+          </a:p>
+        </p:txBody>
+      </p:sp>
+      <p:sp>
+        <p:nvSpPr>
           <p:cNvPr id="3" name="Slide Number Placeholder 2">
             <a:extLst>
               <a:ext uri="{FF2B5EF4-FFF2-40B4-BE49-F238E27FC236}">
@@ -9235,7 +10049,7 @@
             <a:fld id="{6D22F896-40B5-4ADD-8801-0D06FADFA095}" type="slidenum">
               <a:rPr lang="en-US" smtClean="0"/>
               <a:pPr/>
-              <a:t>5</a:t>
+              <a:t>6</a:t>
             </a:fld>
             <a:endParaRPr lang="en-US" dirty="0"/>
           </a:p>
@@ -9263,20 +10077,196 @@
         </p:blipFill>
         <p:spPr>
           <a:xfrm>
-            <a:off x="0" y="421341"/>
-            <a:ext cx="11657706" cy="6436659"/>
+            <a:off x="23418" y="720958"/>
+            <a:ext cx="9156388" cy="5055587"/>
           </a:xfrm>
           <a:prstGeom prst="rect">
             <a:avLst/>
           </a:prstGeom>
         </p:spPr>
       </p:pic>
+      <p:sp>
+        <p:nvSpPr>
+          <p:cNvPr id="2" name="TextBox 1">
+            <a:extLst>
+              <a:ext uri="{FF2B5EF4-FFF2-40B4-BE49-F238E27FC236}">
+                <a16:creationId xmlns:a16="http://schemas.microsoft.com/office/drawing/2014/main" id="{532C4AF8-7F67-6445-8622-3F8507059724}"/>
+              </a:ext>
+            </a:extLst>
+          </p:cNvPr>
+          <p:cNvSpPr txBox="1"/>
+          <p:nvPr/>
+        </p:nvSpPr>
+        <p:spPr>
+          <a:xfrm>
+            <a:off x="9003961" y="1068892"/>
+            <a:ext cx="3314063" cy="4031873"/>
+          </a:xfrm>
+          <a:prstGeom prst="rect">
+            <a:avLst/>
+          </a:prstGeom>
+          <a:noFill/>
+        </p:spPr>
+        <p:txBody>
+          <a:bodyPr wrap="square" rtlCol="0">
+            <a:spAutoFit/>
+          </a:bodyPr>
+          <a:lstStyle/>
+          <a:p>
+            <a:pPr marL="285750" indent="-171450">
+              <a:buFont typeface="Arial" panose="020B0604020202020204" pitchFamily="34" charset="0"/>
+              <a:buChar char="•"/>
+            </a:pPr>
+            <a:r>
+              <a:rPr lang="en-US" sz="1600" b="1" dirty="0"/>
+              <a:t>The distribution of ABV is right skewed. </a:t>
+            </a:r>
+          </a:p>
+          <a:p>
+            <a:pPr marL="285750" indent="-171450">
+              <a:buFont typeface="Arial" panose="020B0604020202020204" pitchFamily="34" charset="0"/>
+              <a:buChar char="•"/>
+            </a:pPr>
+            <a:endParaRPr lang="en-US" sz="1600" b="1" dirty="0"/>
+          </a:p>
+          <a:p>
+            <a:pPr marL="285750" indent="-171450">
+              <a:buFont typeface="Arial" panose="020B0604020202020204" pitchFamily="34" charset="0"/>
+              <a:buChar char="•"/>
+            </a:pPr>
+            <a:r>
+              <a:rPr lang="en-US" sz="1600" b="1" dirty="0"/>
+              <a:t>Beers with ABV around 5% has the most counts. </a:t>
+            </a:r>
+          </a:p>
+          <a:p>
+            <a:pPr marL="285750" indent="-171450">
+              <a:buFont typeface="Arial" panose="020B0604020202020204" pitchFamily="34" charset="0"/>
+              <a:buChar char="•"/>
+            </a:pPr>
+            <a:endParaRPr lang="en-US" sz="1600" b="1" dirty="0"/>
+          </a:p>
+          <a:p>
+            <a:pPr marL="285750" indent="-171450">
+              <a:buFont typeface="Arial" panose="020B0604020202020204" pitchFamily="34" charset="0"/>
+              <a:buChar char="•"/>
+            </a:pPr>
+            <a:r>
+              <a:rPr lang="en-US" sz="1600" b="1" dirty="0"/>
+              <a:t>The maximum ABV is 12.8%.</a:t>
+            </a:r>
+          </a:p>
+          <a:p>
+            <a:pPr marL="285750" indent="-171450">
+              <a:buFont typeface="Arial" panose="020B0604020202020204" pitchFamily="34" charset="0"/>
+              <a:buChar char="•"/>
+            </a:pPr>
+            <a:endParaRPr lang="en-US" sz="1600" b="1" dirty="0"/>
+          </a:p>
+          <a:p>
+            <a:pPr marL="285750" indent="-171450">
+              <a:buFont typeface="Arial" panose="020B0604020202020204" pitchFamily="34" charset="0"/>
+              <a:buChar char="•"/>
+            </a:pPr>
+            <a:r>
+              <a:rPr lang="en-US" sz="1600" b="1" dirty="0"/>
+              <a:t>Minimum ABV is 0.1%.</a:t>
+            </a:r>
+          </a:p>
+          <a:p>
+            <a:pPr marL="285750" indent="-171450">
+              <a:buFont typeface="Arial" panose="020B0604020202020204" pitchFamily="34" charset="0"/>
+              <a:buChar char="•"/>
+            </a:pPr>
+            <a:endParaRPr lang="en-US" sz="1600" b="1" dirty="0"/>
+          </a:p>
+          <a:p>
+            <a:pPr marL="285750" indent="-171450">
+              <a:buFont typeface="Arial" panose="020B0604020202020204" pitchFamily="34" charset="0"/>
+              <a:buChar char="•"/>
+            </a:pPr>
+            <a:r>
+              <a:rPr lang="en-US" sz="1600" b="1" dirty="0"/>
+              <a:t>Median ABV is 5.6%.</a:t>
+            </a:r>
+          </a:p>
+          <a:p>
+            <a:pPr marL="285750" indent="-171450">
+              <a:buFont typeface="Arial" panose="020B0604020202020204" pitchFamily="34" charset="0"/>
+              <a:buChar char="•"/>
+            </a:pPr>
+            <a:endParaRPr lang="en-US" sz="1600" b="1" dirty="0"/>
+          </a:p>
+          <a:p>
+            <a:pPr marL="285750" indent="-171450">
+              <a:buFont typeface="Arial" panose="020B0604020202020204" pitchFamily="34" charset="0"/>
+              <a:buChar char="•"/>
+            </a:pPr>
+            <a:r>
+              <a:rPr lang="en-US" sz="1600" b="1" dirty="0"/>
+              <a:t>Mean ABV is 5.98%. </a:t>
+            </a:r>
+          </a:p>
+          <a:p>
+            <a:pPr marL="285750" indent="-171450">
+              <a:buFont typeface="Arial" panose="020B0604020202020204" pitchFamily="34" charset="0"/>
+              <a:buChar char="•"/>
+            </a:pPr>
+            <a:endParaRPr lang="en-US" sz="1600" b="1" dirty="0"/>
+          </a:p>
+          <a:p>
+            <a:pPr marL="285750" indent="-171450">
+              <a:buFont typeface="Arial" panose="020B0604020202020204" pitchFamily="34" charset="0"/>
+              <a:buChar char="•"/>
+            </a:pPr>
+            <a:r>
+              <a:rPr lang="en-US" sz="1600" b="1" dirty="0"/>
+              <a:t>Standard deviation of ABV is 1.35%.</a:t>
+            </a:r>
+          </a:p>
+        </p:txBody>
+      </p:sp>
+      <p:sp>
+        <p:nvSpPr>
+          <p:cNvPr id="7" name="TextBox 6">
+            <a:extLst>
+              <a:ext uri="{FF2B5EF4-FFF2-40B4-BE49-F238E27FC236}">
+                <a16:creationId xmlns:a16="http://schemas.microsoft.com/office/drawing/2014/main" id="{86EA55D2-26CD-4129-B4D3-04A52EB7E3EF}"/>
+              </a:ext>
+            </a:extLst>
+          </p:cNvPr>
+          <p:cNvSpPr txBox="1"/>
+          <p:nvPr/>
+        </p:nvSpPr>
+        <p:spPr>
+          <a:xfrm>
+            <a:off x="0" y="5715169"/>
+            <a:ext cx="6097464" cy="307777"/>
+          </a:xfrm>
+          <a:prstGeom prst="rect">
+            <a:avLst/>
+          </a:prstGeom>
+          <a:noFill/>
+        </p:spPr>
+        <p:txBody>
+          <a:bodyPr wrap="square">
+            <a:spAutoFit/>
+          </a:bodyPr>
+          <a:lstStyle/>
+          <a:p>
+            <a:r>
+              <a:rPr lang="en-US" sz="1400" dirty="0"/>
+              <a:t>There are total 2410 total ABV values in the data set.</a:t>
+            </a:r>
+          </a:p>
+        </p:txBody>
+      </p:sp>
       <p:grpSp>
         <p:nvGrpSpPr>
-          <p:cNvPr id="15" name="Group 14">
+          <p:cNvPr id="8" name="Group 7">
             <a:extLst>
               <a:ext uri="{FF2B5EF4-FFF2-40B4-BE49-F238E27FC236}">
-                <a16:creationId xmlns:a16="http://schemas.microsoft.com/office/drawing/2014/main" id="{FD693C00-7711-4991-82F7-B3A781AD2A63}"/>
+                <a16:creationId xmlns:a16="http://schemas.microsoft.com/office/drawing/2014/main" id="{9FE26289-6DDF-4762-A42C-2F0B3F7FD613}"/>
               </a:ext>
             </a:extLst>
           </p:cNvPr>
@@ -9285,18 +10275,18 @@
         </p:nvGrpSpPr>
         <p:grpSpPr>
           <a:xfrm>
-            <a:off x="6376089" y="616604"/>
-            <a:ext cx="5281617" cy="642938"/>
+            <a:off x="4487189" y="960348"/>
+            <a:ext cx="4623605" cy="510477"/>
             <a:chOff x="6376089" y="616604"/>
             <a:chExt cx="5281617" cy="642938"/>
           </a:xfrm>
         </p:grpSpPr>
         <p:pic>
           <p:nvPicPr>
-            <p:cNvPr id="7" name="Picture 6">
+            <p:cNvPr id="9" name="Picture 8">
               <a:extLst>
                 <a:ext uri="{FF2B5EF4-FFF2-40B4-BE49-F238E27FC236}">
-                  <a16:creationId xmlns:a16="http://schemas.microsoft.com/office/drawing/2014/main" id="{DD7A0736-C1C9-4518-844E-78B5B5A874B1}"/>
+                  <a16:creationId xmlns:a16="http://schemas.microsoft.com/office/drawing/2014/main" id="{1400CD9F-CB3B-4B12-B75E-76C9B689D024}"/>
                 </a:ext>
               </a:extLst>
             </p:cNvPr>
@@ -9328,10 +10318,10 @@
         </p:pic>
         <p:cxnSp>
           <p:nvCxnSpPr>
-            <p:cNvPr id="9" name="Straight Connector 8">
+            <p:cNvPr id="10" name="Straight Connector 9">
               <a:extLst>
                 <a:ext uri="{FF2B5EF4-FFF2-40B4-BE49-F238E27FC236}">
-                  <a16:creationId xmlns:a16="http://schemas.microsoft.com/office/drawing/2014/main" id="{747AAA66-18A5-4373-89AA-FDFF5FB01A1A}"/>
+                  <a16:creationId xmlns:a16="http://schemas.microsoft.com/office/drawing/2014/main" id="{20647898-ABC7-4F76-9EAF-F8929A4A7B37}"/>
                 </a:ext>
               </a:extLst>
             </p:cNvPr>
@@ -9364,10 +10354,10 @@
         </p:cxnSp>
         <p:cxnSp>
           <p:nvCxnSpPr>
-            <p:cNvPr id="10" name="Straight Connector 9">
+            <p:cNvPr id="11" name="Straight Connector 10">
               <a:extLst>
                 <a:ext uri="{FF2B5EF4-FFF2-40B4-BE49-F238E27FC236}">
-                  <a16:creationId xmlns:a16="http://schemas.microsoft.com/office/drawing/2014/main" id="{6F65BAE5-E50B-43D4-9D9E-7F522277809B}"/>
+                  <a16:creationId xmlns:a16="http://schemas.microsoft.com/office/drawing/2014/main" id="{15D284B9-5A9B-4139-BEA3-2B608E979828}"/>
                 </a:ext>
               </a:extLst>
             </p:cNvPr>
@@ -9400,10 +10390,10 @@
         </p:cxnSp>
         <p:cxnSp>
           <p:nvCxnSpPr>
-            <p:cNvPr id="11" name="Straight Connector 10">
+            <p:cNvPr id="12" name="Straight Connector 11">
               <a:extLst>
                 <a:ext uri="{FF2B5EF4-FFF2-40B4-BE49-F238E27FC236}">
-                  <a16:creationId xmlns:a16="http://schemas.microsoft.com/office/drawing/2014/main" id="{67FAAC16-7355-47AE-997B-FF8BBB27A5D3}"/>
+                  <a16:creationId xmlns:a16="http://schemas.microsoft.com/office/drawing/2014/main" id="{5104F3AA-07C5-4CE3-A39B-349FBEC82D07}"/>
                 </a:ext>
               </a:extLst>
             </p:cNvPr>
@@ -9436,10 +10426,10 @@
         </p:cxnSp>
         <p:cxnSp>
           <p:nvCxnSpPr>
-            <p:cNvPr id="12" name="Straight Connector 11">
+            <p:cNvPr id="13" name="Straight Connector 12">
               <a:extLst>
                 <a:ext uri="{FF2B5EF4-FFF2-40B4-BE49-F238E27FC236}">
-                  <a16:creationId xmlns:a16="http://schemas.microsoft.com/office/drawing/2014/main" id="{B91D901C-3A23-41C1-99A7-1E0B40D01B2E}"/>
+                  <a16:creationId xmlns:a16="http://schemas.microsoft.com/office/drawing/2014/main" id="{F325ACD2-E0B9-4BA0-AB78-768F8E801565}"/>
                 </a:ext>
               </a:extLst>
             </p:cNvPr>
@@ -9472,10 +10462,10 @@
         </p:cxnSp>
         <p:cxnSp>
           <p:nvCxnSpPr>
-            <p:cNvPr id="13" name="Straight Connector 12">
+            <p:cNvPr id="14" name="Straight Connector 13">
               <a:extLst>
                 <a:ext uri="{FF2B5EF4-FFF2-40B4-BE49-F238E27FC236}">
-                  <a16:creationId xmlns:a16="http://schemas.microsoft.com/office/drawing/2014/main" id="{B5A539F5-9C77-47FE-B91A-BD05714CB916}"/>
+                  <a16:creationId xmlns:a16="http://schemas.microsoft.com/office/drawing/2014/main" id="{8FF7201F-13C4-4522-8B81-7B78F0F5EAAE}"/>
                 </a:ext>
               </a:extLst>
             </p:cNvPr>
@@ -9512,41 +10502,6 @@
           </p:style>
         </p:cxnSp>
       </p:grpSp>
-      <p:sp>
-        <p:nvSpPr>
-          <p:cNvPr id="14" name="TextBox 13">
-            <a:extLst>
-              <a:ext uri="{FF2B5EF4-FFF2-40B4-BE49-F238E27FC236}">
-                <a16:creationId xmlns:a16="http://schemas.microsoft.com/office/drawing/2014/main" id="{E17360D7-61A4-4616-9E9A-EBF7F76FEA18}"/>
-              </a:ext>
-            </a:extLst>
-          </p:cNvPr>
-          <p:cNvSpPr txBox="1"/>
-          <p:nvPr/>
-        </p:nvSpPr>
-        <p:spPr>
-          <a:xfrm>
-            <a:off x="6822141" y="1488141"/>
-            <a:ext cx="4044697" cy="369332"/>
-          </a:xfrm>
-          <a:prstGeom prst="rect">
-            <a:avLst/>
-          </a:prstGeom>
-          <a:noFill/>
-        </p:spPr>
-        <p:txBody>
-          <a:bodyPr wrap="none" rtlCol="0">
-            <a:spAutoFit/>
-          </a:bodyPr>
-          <a:lstStyle/>
-          <a:p>
-            <a:r>
-              <a:rPr lang="en-US" dirty="0"/>
-              <a:t>Data suggests a slight right skewness</a:t>
-            </a:r>
-          </a:p>
-        </p:txBody>
-      </p:sp>
     </p:spTree>
     <p:extLst>
       <p:ext uri="{BB962C8B-B14F-4D97-AF65-F5344CB8AC3E}">
@@ -9560,7 +10515,7 @@
 </p:sld>
 </file>
 
-<file path=ppt/slides/slide6.xml><?xml version="1.0" encoding="utf-8"?>
+<file path=ppt/slides/slide7.xml><?xml version="1.0" encoding="utf-8"?>
 <p:sld xmlns:a="http://schemas.openxmlformats.org/drawingml/2006/main" xmlns:r="http://schemas.openxmlformats.org/officeDocument/2006/relationships" xmlns:p="http://schemas.openxmlformats.org/presentationml/2006/main">
   <p:cSld>
     <p:spTree>
@@ -9579,6 +10534,37 @@
       </p:grpSpPr>
       <p:sp>
         <p:nvSpPr>
+          <p:cNvPr id="9" name="Title 8">
+            <a:extLst>
+              <a:ext uri="{FF2B5EF4-FFF2-40B4-BE49-F238E27FC236}">
+                <a16:creationId xmlns:a16="http://schemas.microsoft.com/office/drawing/2014/main" id="{A77B9146-ABC1-429E-8C95-D00F59AD2F58}"/>
+              </a:ext>
+            </a:extLst>
+          </p:cNvPr>
+          <p:cNvSpPr>
+            <a:spLocks noGrp="1"/>
+          </p:cNvSpPr>
+          <p:nvPr>
+            <p:ph type="title"/>
+          </p:nvPr>
+        </p:nvSpPr>
+        <p:spPr/>
+        <p:txBody>
+          <a:bodyPr>
+            <a:normAutofit/>
+          </a:bodyPr>
+          <a:lstStyle/>
+          <a:p>
+            <a:r>
+              <a:rPr lang="en-US" b="1" dirty="0"/>
+              <a:t>Relationship between ABV and IBU</a:t>
+            </a:r>
+            <a:endParaRPr lang="en-US" dirty="0"/>
+          </a:p>
+        </p:txBody>
+      </p:sp>
+      <p:sp>
+        <p:nvSpPr>
           <p:cNvPr id="3" name="Slide Number Placeholder 2">
             <a:extLst>
               <a:ext uri="{FF2B5EF4-FFF2-40B4-BE49-F238E27FC236}">
@@ -9601,7 +10587,515 @@
             <a:fld id="{6D22F896-40B5-4ADD-8801-0D06FADFA095}" type="slidenum">
               <a:rPr lang="en-US" smtClean="0"/>
               <a:pPr/>
-              <a:t>6</a:t>
+              <a:t>7</a:t>
+            </a:fld>
+            <a:endParaRPr lang="en-US" dirty="0"/>
+          </a:p>
+        </p:txBody>
+      </p:sp>
+      <p:sp>
+        <p:nvSpPr>
+          <p:cNvPr id="4" name="TextBox 3">
+            <a:extLst>
+              <a:ext uri="{FF2B5EF4-FFF2-40B4-BE49-F238E27FC236}">
+                <a16:creationId xmlns:a16="http://schemas.microsoft.com/office/drawing/2014/main" id="{8F5E0136-41D5-7647-8577-9CA3C57F2EB8}"/>
+              </a:ext>
+            </a:extLst>
+          </p:cNvPr>
+          <p:cNvSpPr txBox="1"/>
+          <p:nvPr/>
+        </p:nvSpPr>
+        <p:spPr>
+          <a:xfrm>
+            <a:off x="9453880" y="788572"/>
+            <a:ext cx="2738120" cy="5262979"/>
+          </a:xfrm>
+          <a:prstGeom prst="rect">
+            <a:avLst/>
+          </a:prstGeom>
+          <a:noFill/>
+        </p:spPr>
+        <p:txBody>
+          <a:bodyPr wrap="square" rtlCol="0">
+            <a:spAutoFit/>
+          </a:bodyPr>
+          <a:lstStyle/>
+          <a:p>
+            <a:pPr marL="285750" indent="-285750">
+              <a:buFont typeface="Arial" panose="020B0604020202020204" pitchFamily="34" charset="0"/>
+              <a:buChar char="•"/>
+            </a:pPr>
+            <a:r>
+              <a:rPr lang="en-US" sz="1600" b="1" dirty="0"/>
+              <a:t>The correlation value for IBU and ABV is 0.675 which indicates that there is a moderately positive linear relationship </a:t>
+            </a:r>
+            <a:br>
+              <a:rPr lang="en-US" sz="1600" b="1" dirty="0"/>
+            </a:br>
+            <a:r>
+              <a:rPr lang="en-US" sz="1600" b="1" dirty="0"/>
+              <a:t>(i.e., as IBU increases ABV increases).</a:t>
+            </a:r>
+          </a:p>
+          <a:p>
+            <a:pPr marL="285750" indent="-285750">
+              <a:buFont typeface="Arial" panose="020B0604020202020204" pitchFamily="34" charset="0"/>
+              <a:buChar char="•"/>
+            </a:pPr>
+            <a:endParaRPr lang="en-US" sz="1600" b="1" dirty="0"/>
+          </a:p>
+          <a:p>
+            <a:pPr marL="285750" indent="-285750">
+              <a:buFont typeface="Arial" panose="020B0604020202020204" pitchFamily="34" charset="0"/>
+              <a:buChar char="•"/>
+            </a:pPr>
+            <a:r>
+              <a:rPr lang="en-US" sz="1600" b="1" dirty="0"/>
+              <a:t>Most beers with lower IBU (less than 50) have ABV values around 5%.</a:t>
+            </a:r>
+          </a:p>
+          <a:p>
+            <a:pPr marL="285750" indent="-285750">
+              <a:buFont typeface="Arial" panose="020B0604020202020204" pitchFamily="34" charset="0"/>
+              <a:buChar char="•"/>
+            </a:pPr>
+            <a:endParaRPr lang="en-US" sz="1600" b="1" dirty="0"/>
+          </a:p>
+          <a:p>
+            <a:pPr marL="285750" indent="-285750">
+              <a:buFont typeface="Arial" panose="020B0604020202020204" pitchFamily="34" charset="0"/>
+              <a:buChar char="•"/>
+            </a:pPr>
+            <a:r>
+              <a:rPr lang="en-US" sz="1600" b="1" dirty="0"/>
+              <a:t>When IBU value increases, ABV values spreads out. But most beers with IBU values above 50, their ABV values spread out within the region between 5% and 10%.</a:t>
+            </a:r>
+          </a:p>
+        </p:txBody>
+      </p:sp>
+      <p:grpSp>
+        <p:nvGrpSpPr>
+          <p:cNvPr id="16" name="Group 15">
+            <a:extLst>
+              <a:ext uri="{FF2B5EF4-FFF2-40B4-BE49-F238E27FC236}">
+                <a16:creationId xmlns:a16="http://schemas.microsoft.com/office/drawing/2014/main" id="{77007D6B-2BFE-400D-9E4D-E28BC65CBAC2}"/>
+              </a:ext>
+            </a:extLst>
+          </p:cNvPr>
+          <p:cNvGrpSpPr/>
+          <p:nvPr/>
+        </p:nvGrpSpPr>
+        <p:grpSpPr>
+          <a:xfrm>
+            <a:off x="0" y="628321"/>
+            <a:ext cx="9453880" cy="5197321"/>
+            <a:chOff x="0" y="780721"/>
+            <a:chExt cx="9453880" cy="5197321"/>
+          </a:xfrm>
+        </p:grpSpPr>
+        <p:pic>
+          <p:nvPicPr>
+            <p:cNvPr id="8" name="Picture 7">
+              <a:extLst>
+                <a:ext uri="{FF2B5EF4-FFF2-40B4-BE49-F238E27FC236}">
+                  <a16:creationId xmlns:a16="http://schemas.microsoft.com/office/drawing/2014/main" id="{D328C203-E70C-4A47-9EF0-E97CB294A7AC}"/>
+                </a:ext>
+              </a:extLst>
+            </p:cNvPr>
+            <p:cNvPicPr>
+              <a:picLocks noChangeAspect="1"/>
+            </p:cNvPicPr>
+            <p:nvPr/>
+          </p:nvPicPr>
+          <p:blipFill>
+            <a:blip r:embed="rId2"/>
+            <a:stretch>
+              <a:fillRect/>
+            </a:stretch>
+          </p:blipFill>
+          <p:spPr>
+            <a:xfrm>
+              <a:off x="0" y="780721"/>
+              <a:ext cx="9453880" cy="5197321"/>
+            </a:xfrm>
+            <a:prstGeom prst="rect">
+              <a:avLst/>
+            </a:prstGeom>
+          </p:spPr>
+        </p:pic>
+        <p:sp>
+          <p:nvSpPr>
+            <p:cNvPr id="12" name="Oval 11">
+              <a:extLst>
+                <a:ext uri="{FF2B5EF4-FFF2-40B4-BE49-F238E27FC236}">
+                  <a16:creationId xmlns:a16="http://schemas.microsoft.com/office/drawing/2014/main" id="{37C49B37-84E1-4546-B1B6-3F9CB1FA04B8}"/>
+                </a:ext>
+              </a:extLst>
+            </p:cNvPr>
+            <p:cNvSpPr>
+              <a:spLocks noChangeAspect="1"/>
+            </p:cNvSpPr>
+            <p:nvPr/>
+          </p:nvSpPr>
+          <p:spPr>
+            <a:xfrm>
+              <a:off x="5297622" y="1030927"/>
+              <a:ext cx="209917" cy="212971"/>
+            </a:xfrm>
+            <a:prstGeom prst="ellipse">
+              <a:avLst/>
+            </a:prstGeom>
+            <a:noFill/>
+            <a:ln w="28575">
+              <a:solidFill>
+                <a:srgbClr val="FF0000"/>
+              </a:solidFill>
+            </a:ln>
+          </p:spPr>
+          <p:style>
+            <a:lnRef idx="2">
+              <a:schemeClr val="accent1">
+                <a:shade val="50000"/>
+              </a:schemeClr>
+            </a:lnRef>
+            <a:fillRef idx="1">
+              <a:schemeClr val="accent1"/>
+            </a:fillRef>
+            <a:effectRef idx="0">
+              <a:schemeClr val="accent1"/>
+            </a:effectRef>
+            <a:fontRef idx="minor">
+              <a:schemeClr val="lt1"/>
+            </a:fontRef>
+          </p:style>
+          <p:txBody>
+            <a:bodyPr rtlCol="0" anchor="ctr"/>
+            <a:lstStyle/>
+            <a:p>
+              <a:pPr algn="ctr"/>
+              <a:endParaRPr lang="en-US"/>
+            </a:p>
+          </p:txBody>
+        </p:sp>
+        <p:sp>
+          <p:nvSpPr>
+            <p:cNvPr id="13" name="Oval 12">
+              <a:extLst>
+                <a:ext uri="{FF2B5EF4-FFF2-40B4-BE49-F238E27FC236}">
+                  <a16:creationId xmlns:a16="http://schemas.microsoft.com/office/drawing/2014/main" id="{1E9F677E-E2B1-4D17-97C2-E0AABED2F4F8}"/>
+                </a:ext>
+              </a:extLst>
+            </p:cNvPr>
+            <p:cNvSpPr>
+              <a:spLocks noChangeAspect="1"/>
+            </p:cNvSpPr>
+            <p:nvPr/>
+          </p:nvSpPr>
+          <p:spPr>
+            <a:xfrm>
+              <a:off x="8857883" y="2960869"/>
+              <a:ext cx="209917" cy="212971"/>
+            </a:xfrm>
+            <a:prstGeom prst="ellipse">
+              <a:avLst/>
+            </a:prstGeom>
+            <a:noFill/>
+            <a:ln w="28575">
+              <a:solidFill>
+                <a:srgbClr val="0000FF"/>
+              </a:solidFill>
+            </a:ln>
+          </p:spPr>
+          <p:style>
+            <a:lnRef idx="2">
+              <a:schemeClr val="accent1">
+                <a:shade val="50000"/>
+              </a:schemeClr>
+            </a:lnRef>
+            <a:fillRef idx="1">
+              <a:schemeClr val="accent1"/>
+            </a:fillRef>
+            <a:effectRef idx="0">
+              <a:schemeClr val="accent1"/>
+            </a:effectRef>
+            <a:fontRef idx="minor">
+              <a:schemeClr val="lt1"/>
+            </a:fontRef>
+          </p:style>
+          <p:txBody>
+            <a:bodyPr rtlCol="0" anchor="ctr"/>
+            <a:lstStyle/>
+            <a:p>
+              <a:pPr algn="ctr"/>
+              <a:endParaRPr lang="en-US"/>
+            </a:p>
+          </p:txBody>
+        </p:sp>
+      </p:grpSp>
+      <p:grpSp>
+        <p:nvGrpSpPr>
+          <p:cNvPr id="18" name="Group 17">
+            <a:extLst>
+              <a:ext uri="{FF2B5EF4-FFF2-40B4-BE49-F238E27FC236}">
+                <a16:creationId xmlns:a16="http://schemas.microsoft.com/office/drawing/2014/main" id="{9F2D20EB-5EF7-4972-96BE-27C2408D8FA9}"/>
+              </a:ext>
+            </a:extLst>
+          </p:cNvPr>
+          <p:cNvGrpSpPr/>
+          <p:nvPr/>
+        </p:nvGrpSpPr>
+        <p:grpSpPr>
+          <a:xfrm>
+            <a:off x="0" y="5816769"/>
+            <a:ext cx="11536680" cy="692497"/>
+            <a:chOff x="0" y="5857409"/>
+            <a:chExt cx="11536680" cy="692497"/>
+          </a:xfrm>
+        </p:grpSpPr>
+        <p:sp>
+          <p:nvSpPr>
+            <p:cNvPr id="11" name="TextBox 10">
+              <a:extLst>
+                <a:ext uri="{FF2B5EF4-FFF2-40B4-BE49-F238E27FC236}">
+                  <a16:creationId xmlns:a16="http://schemas.microsoft.com/office/drawing/2014/main" id="{5D3CFB87-E432-45AF-B8E4-547B914485B7}"/>
+                </a:ext>
+              </a:extLst>
+            </p:cNvPr>
+            <p:cNvSpPr txBox="1"/>
+            <p:nvPr/>
+          </p:nvSpPr>
+          <p:spPr>
+            <a:xfrm>
+              <a:off x="0" y="5857409"/>
+              <a:ext cx="11536680" cy="692497"/>
+            </a:xfrm>
+            <a:prstGeom prst="rect">
+              <a:avLst/>
+            </a:prstGeom>
+            <a:noFill/>
+          </p:spPr>
+          <p:txBody>
+            <a:bodyPr wrap="square">
+              <a:spAutoFit/>
+            </a:bodyPr>
+            <a:lstStyle/>
+            <a:p>
+              <a:r>
+                <a:rPr lang="en-US" sz="1400" dirty="0"/>
+                <a:t>Local Polynomial Regression Fitting (</a:t>
+              </a:r>
+              <a:r>
+                <a:rPr lang="en-US" sz="1400" dirty="0" err="1"/>
+                <a:t>leoss</a:t>
+              </a:r>
+              <a:r>
+                <a:rPr lang="en-US" sz="1400" dirty="0"/>
+                <a:t>) method is used to evaluate the relationship between ABV and IBU.</a:t>
+              </a:r>
+            </a:p>
+            <a:p>
+              <a:endParaRPr lang="en-US" sz="1400" dirty="0"/>
+            </a:p>
+            <a:p>
+              <a:r>
+                <a:rPr lang="en-US" sz="1100" b="1" i="1" dirty="0"/>
+                <a:t>It is interesting to note highest ABV value       corresponds to approximately half IBU range and highest IBU value        corresponds to approximately half ABV range.</a:t>
+              </a:r>
+            </a:p>
+          </p:txBody>
+        </p:sp>
+        <p:sp>
+          <p:nvSpPr>
+            <p:cNvPr id="15" name="Oval 14">
+              <a:extLst>
+                <a:ext uri="{FF2B5EF4-FFF2-40B4-BE49-F238E27FC236}">
+                  <a16:creationId xmlns:a16="http://schemas.microsoft.com/office/drawing/2014/main" id="{A56295D2-079B-4F7A-B20D-CE178C11B706}"/>
+                </a:ext>
+              </a:extLst>
+            </p:cNvPr>
+            <p:cNvSpPr>
+              <a:spLocks noChangeAspect="1"/>
+            </p:cNvSpPr>
+            <p:nvPr/>
+          </p:nvSpPr>
+          <p:spPr>
+            <a:xfrm>
+              <a:off x="2884622" y="6297115"/>
+              <a:ext cx="209917" cy="212971"/>
+            </a:xfrm>
+            <a:prstGeom prst="ellipse">
+              <a:avLst/>
+            </a:prstGeom>
+            <a:noFill/>
+            <a:ln w="28575">
+              <a:solidFill>
+                <a:srgbClr val="FF0000"/>
+              </a:solidFill>
+            </a:ln>
+          </p:spPr>
+          <p:style>
+            <a:lnRef idx="2">
+              <a:schemeClr val="accent1">
+                <a:shade val="50000"/>
+              </a:schemeClr>
+            </a:lnRef>
+            <a:fillRef idx="1">
+              <a:schemeClr val="accent1"/>
+            </a:fillRef>
+            <a:effectRef idx="0">
+              <a:schemeClr val="accent1"/>
+            </a:effectRef>
+            <a:fontRef idx="minor">
+              <a:schemeClr val="lt1"/>
+            </a:fontRef>
+          </p:style>
+          <p:txBody>
+            <a:bodyPr rtlCol="0" anchor="ctr"/>
+            <a:lstStyle/>
+            <a:p>
+              <a:pPr algn="ctr"/>
+              <a:endParaRPr lang="en-US" dirty="0"/>
+            </a:p>
+          </p:txBody>
+        </p:sp>
+        <p:sp>
+          <p:nvSpPr>
+            <p:cNvPr id="17" name="Oval 16">
+              <a:extLst>
+                <a:ext uri="{FF2B5EF4-FFF2-40B4-BE49-F238E27FC236}">
+                  <a16:creationId xmlns:a16="http://schemas.microsoft.com/office/drawing/2014/main" id="{60F2B264-AF1E-4B95-B7D9-1286445E2617}"/>
+                </a:ext>
+              </a:extLst>
+            </p:cNvPr>
+            <p:cNvSpPr>
+              <a:spLocks noChangeAspect="1"/>
+            </p:cNvSpPr>
+            <p:nvPr/>
+          </p:nvSpPr>
+          <p:spPr>
+            <a:xfrm>
+              <a:off x="7634422" y="6322515"/>
+              <a:ext cx="209917" cy="212971"/>
+            </a:xfrm>
+            <a:prstGeom prst="ellipse">
+              <a:avLst/>
+            </a:prstGeom>
+            <a:noFill/>
+            <a:ln w="28575">
+              <a:solidFill>
+                <a:srgbClr val="0000FF"/>
+              </a:solidFill>
+            </a:ln>
+          </p:spPr>
+          <p:style>
+            <a:lnRef idx="2">
+              <a:schemeClr val="accent1">
+                <a:shade val="50000"/>
+              </a:schemeClr>
+            </a:lnRef>
+            <a:fillRef idx="1">
+              <a:schemeClr val="accent1"/>
+            </a:fillRef>
+            <a:effectRef idx="0">
+              <a:schemeClr val="accent1"/>
+            </a:effectRef>
+            <a:fontRef idx="minor">
+              <a:schemeClr val="lt1"/>
+            </a:fontRef>
+          </p:style>
+          <p:txBody>
+            <a:bodyPr rtlCol="0" anchor="ctr"/>
+            <a:lstStyle/>
+            <a:p>
+              <a:pPr algn="ctr"/>
+              <a:endParaRPr lang="en-US" dirty="0"/>
+            </a:p>
+          </p:txBody>
+        </p:sp>
+      </p:grpSp>
+    </p:spTree>
+    <p:extLst>
+      <p:ext uri="{BB962C8B-B14F-4D97-AF65-F5344CB8AC3E}">
+        <p14:creationId xmlns:p14="http://schemas.microsoft.com/office/powerpoint/2010/main" val="4105197940"/>
+      </p:ext>
+    </p:extLst>
+  </p:cSld>
+  <p:clrMapOvr>
+    <a:masterClrMapping/>
+  </p:clrMapOvr>
+</p:sld>
+</file>
+
+<file path=ppt/slides/slide8.xml><?xml version="1.0" encoding="utf-8"?>
+<p:sld xmlns:a="http://schemas.openxmlformats.org/drawingml/2006/main" xmlns:r="http://schemas.openxmlformats.org/officeDocument/2006/relationships" xmlns:p="http://schemas.openxmlformats.org/presentationml/2006/main">
+  <p:cSld>
+    <p:spTree>
+      <p:nvGrpSpPr>
+        <p:cNvPr id="1" name=""/>
+        <p:cNvGrpSpPr/>
+        <p:nvPr/>
+      </p:nvGrpSpPr>
+      <p:grpSpPr>
+        <a:xfrm>
+          <a:off x="0" y="0"/>
+          <a:ext cx="0" cy="0"/>
+          <a:chOff x="0" y="0"/>
+          <a:chExt cx="0" cy="0"/>
+        </a:xfrm>
+      </p:grpSpPr>
+      <p:sp>
+        <p:nvSpPr>
+          <p:cNvPr id="2" name="Title 1">
+            <a:extLst>
+              <a:ext uri="{FF2B5EF4-FFF2-40B4-BE49-F238E27FC236}">
+                <a16:creationId xmlns:a16="http://schemas.microsoft.com/office/drawing/2014/main" id="{BE5024DF-58C9-4934-AE08-4A979E25E2AE}"/>
+              </a:ext>
+            </a:extLst>
+          </p:cNvPr>
+          <p:cNvSpPr>
+            <a:spLocks noGrp="1"/>
+          </p:cNvSpPr>
+          <p:nvPr>
+            <p:ph type="title"/>
+          </p:nvPr>
+        </p:nvSpPr>
+        <p:spPr/>
+        <p:txBody>
+          <a:bodyPr/>
+          <a:lstStyle/>
+          <a:p>
+            <a:r>
+              <a:rPr lang="en-US" dirty="0"/>
+              <a:t>ABV categorized by ounces</a:t>
+            </a:r>
+          </a:p>
+        </p:txBody>
+      </p:sp>
+      <p:sp>
+        <p:nvSpPr>
+          <p:cNvPr id="3" name="Slide Number Placeholder 2">
+            <a:extLst>
+              <a:ext uri="{FF2B5EF4-FFF2-40B4-BE49-F238E27FC236}">
+                <a16:creationId xmlns:a16="http://schemas.microsoft.com/office/drawing/2014/main" id="{7F506CC8-0E07-4D56-99CA-FE4287C442A2}"/>
+              </a:ext>
+            </a:extLst>
+          </p:cNvPr>
+          <p:cNvSpPr>
+            <a:spLocks noGrp="1"/>
+          </p:cNvSpPr>
+          <p:nvPr>
+            <p:ph type="sldNum" sz="quarter" idx="12"/>
+          </p:nvPr>
+        </p:nvSpPr>
+        <p:spPr/>
+        <p:txBody>
+          <a:bodyPr/>
+          <a:lstStyle/>
+          <a:p>
+            <a:fld id="{6D22F896-40B5-4ADD-8801-0D06FADFA095}" type="slidenum">
+              <a:rPr lang="en-US" smtClean="0"/>
+              <a:pPr/>
+              <a:t>8</a:t>
             </a:fld>
             <a:endParaRPr lang="en-US" dirty="0"/>
           </a:p>
@@ -9609,10 +11103,10 @@
       </p:sp>
       <p:pic>
         <p:nvPicPr>
-          <p:cNvPr id="7" name="Picture 6">
+          <p:cNvPr id="5" name="Picture 4">
             <a:extLst>
               <a:ext uri="{FF2B5EF4-FFF2-40B4-BE49-F238E27FC236}">
-                <a16:creationId xmlns:a16="http://schemas.microsoft.com/office/drawing/2014/main" id="{91D60CC8-2F19-4734-A56A-4A00D4A9CB00}"/>
+                <a16:creationId xmlns:a16="http://schemas.microsoft.com/office/drawing/2014/main" id="{129AF30C-F397-4C3F-A20C-AC7CE9E64B97}"/>
               </a:ext>
             </a:extLst>
           </p:cNvPr>
@@ -9629,18 +11123,248 @@
         </p:blipFill>
         <p:spPr>
           <a:xfrm>
-            <a:off x="7398" y="278730"/>
-            <a:ext cx="11252273" cy="6579270"/>
+            <a:off x="-25400" y="710942"/>
+            <a:ext cx="10520784" cy="5532624"/>
           </a:xfrm>
           <a:prstGeom prst="rect">
             <a:avLst/>
           </a:prstGeom>
         </p:spPr>
       </p:pic>
+      <p:sp>
+        <p:nvSpPr>
+          <p:cNvPr id="7" name="TextBox 6">
+            <a:extLst>
+              <a:ext uri="{FF2B5EF4-FFF2-40B4-BE49-F238E27FC236}">
+                <a16:creationId xmlns:a16="http://schemas.microsoft.com/office/drawing/2014/main" id="{4706AC34-BF1D-40D4-BAB5-350D6E0FB8FB}"/>
+              </a:ext>
+            </a:extLst>
+          </p:cNvPr>
+          <p:cNvSpPr txBox="1"/>
+          <p:nvPr/>
+        </p:nvSpPr>
+        <p:spPr>
+          <a:xfrm>
+            <a:off x="-40640" y="6222869"/>
+            <a:ext cx="10408920" cy="307777"/>
+          </a:xfrm>
+          <a:prstGeom prst="rect">
+            <a:avLst/>
+          </a:prstGeom>
+          <a:noFill/>
+        </p:spPr>
+        <p:txBody>
+          <a:bodyPr wrap="square">
+            <a:spAutoFit/>
+          </a:bodyPr>
+          <a:lstStyle/>
+          <a:p>
+            <a:r>
+              <a:rPr lang="en-US" sz="1400" dirty="0"/>
+              <a:t>There are total 2348 ABV values available as categorized above in the data set. 62 ABV values missing in the data set</a:t>
+            </a:r>
+          </a:p>
+        </p:txBody>
+      </p:sp>
     </p:spTree>
     <p:extLst>
       <p:ext uri="{BB962C8B-B14F-4D97-AF65-F5344CB8AC3E}">
-        <p14:creationId xmlns:p14="http://schemas.microsoft.com/office/powerpoint/2010/main" val="4105197940"/>
+        <p14:creationId xmlns:p14="http://schemas.microsoft.com/office/powerpoint/2010/main" val="273800154"/>
+      </p:ext>
+    </p:extLst>
+  </p:cSld>
+  <p:clrMapOvr>
+    <a:masterClrMapping/>
+  </p:clrMapOvr>
+</p:sld>
+</file>
+
+<file path=ppt/slides/slide9.xml><?xml version="1.0" encoding="utf-8"?>
+<p:sld xmlns:a="http://schemas.openxmlformats.org/drawingml/2006/main" xmlns:r="http://schemas.openxmlformats.org/officeDocument/2006/relationships" xmlns:p="http://schemas.openxmlformats.org/presentationml/2006/main">
+  <p:cSld>
+    <p:spTree>
+      <p:nvGrpSpPr>
+        <p:cNvPr id="1" name=""/>
+        <p:cNvGrpSpPr/>
+        <p:nvPr/>
+      </p:nvGrpSpPr>
+      <p:grpSpPr>
+        <a:xfrm>
+          <a:off x="0" y="0"/>
+          <a:ext cx="0" cy="0"/>
+          <a:chOff x="0" y="0"/>
+          <a:chExt cx="0" cy="0"/>
+        </a:xfrm>
+      </p:grpSpPr>
+      <p:sp>
+        <p:nvSpPr>
+          <p:cNvPr id="2" name="Title 1">
+            <a:extLst>
+              <a:ext uri="{FF2B5EF4-FFF2-40B4-BE49-F238E27FC236}">
+                <a16:creationId xmlns:a16="http://schemas.microsoft.com/office/drawing/2014/main" id="{C22CFB01-8C58-42D6-81D3-4F32B747F2E3}"/>
+              </a:ext>
+            </a:extLst>
+          </p:cNvPr>
+          <p:cNvSpPr>
+            <a:spLocks noGrp="1"/>
+          </p:cNvSpPr>
+          <p:nvPr>
+            <p:ph type="title"/>
+          </p:nvPr>
+        </p:nvSpPr>
+        <p:spPr/>
+        <p:txBody>
+          <a:bodyPr/>
+          <a:lstStyle/>
+          <a:p>
+            <a:r>
+              <a:rPr lang="en-US" dirty="0"/>
+              <a:t>Innovation</a:t>
+            </a:r>
+          </a:p>
+        </p:txBody>
+      </p:sp>
+      <p:sp>
+        <p:nvSpPr>
+          <p:cNvPr id="3" name="Slide Number Placeholder 2">
+            <a:extLst>
+              <a:ext uri="{FF2B5EF4-FFF2-40B4-BE49-F238E27FC236}">
+                <a16:creationId xmlns:a16="http://schemas.microsoft.com/office/drawing/2014/main" id="{DE80DC91-4894-41D5-B4D3-B3282D064005}"/>
+              </a:ext>
+            </a:extLst>
+          </p:cNvPr>
+          <p:cNvSpPr>
+            <a:spLocks noGrp="1"/>
+          </p:cNvSpPr>
+          <p:nvPr>
+            <p:ph type="sldNum" sz="quarter" idx="12"/>
+          </p:nvPr>
+        </p:nvSpPr>
+        <p:spPr/>
+        <p:txBody>
+          <a:bodyPr/>
+          <a:lstStyle/>
+          <a:p>
+            <a:fld id="{6D22F896-40B5-4ADD-8801-0D06FADFA095}" type="slidenum">
+              <a:rPr lang="en-US" smtClean="0"/>
+              <a:pPr/>
+              <a:t>9</a:t>
+            </a:fld>
+            <a:endParaRPr lang="en-US" dirty="0"/>
+          </a:p>
+        </p:txBody>
+      </p:sp>
+      <p:pic>
+        <p:nvPicPr>
+          <p:cNvPr id="5" name="Picture 4">
+            <a:extLst>
+              <a:ext uri="{FF2B5EF4-FFF2-40B4-BE49-F238E27FC236}">
+                <a16:creationId xmlns:a16="http://schemas.microsoft.com/office/drawing/2014/main" id="{5E3B3AA8-F436-44ED-81C8-3A55211D5CA6}"/>
+              </a:ext>
+            </a:extLst>
+          </p:cNvPr>
+          <p:cNvPicPr>
+            <a:picLocks noChangeAspect="1"/>
+          </p:cNvPicPr>
+          <p:nvPr/>
+        </p:nvPicPr>
+        <p:blipFill>
+          <a:blip r:embed="rId2"/>
+          <a:stretch>
+            <a:fillRect/>
+          </a:stretch>
+        </p:blipFill>
+        <p:spPr>
+          <a:xfrm>
+            <a:off x="107221" y="665480"/>
+            <a:ext cx="9055725" cy="5405120"/>
+          </a:xfrm>
+          <a:prstGeom prst="rect">
+            <a:avLst/>
+          </a:prstGeom>
+        </p:spPr>
+      </p:pic>
+      <p:sp>
+        <p:nvSpPr>
+          <p:cNvPr id="7" name="TextBox 6">
+            <a:extLst>
+              <a:ext uri="{FF2B5EF4-FFF2-40B4-BE49-F238E27FC236}">
+                <a16:creationId xmlns:a16="http://schemas.microsoft.com/office/drawing/2014/main" id="{7471F430-1449-4DF1-86E6-3BDCC5459251}"/>
+              </a:ext>
+            </a:extLst>
+          </p:cNvPr>
+          <p:cNvSpPr txBox="1"/>
+          <p:nvPr/>
+        </p:nvSpPr>
+        <p:spPr>
+          <a:xfrm>
+            <a:off x="66040" y="6243566"/>
+            <a:ext cx="6096000" cy="369332"/>
+          </a:xfrm>
+          <a:prstGeom prst="rect">
+            <a:avLst/>
+          </a:prstGeom>
+          <a:noFill/>
+        </p:spPr>
+        <p:txBody>
+          <a:bodyPr wrap="square">
+            <a:spAutoFit/>
+          </a:bodyPr>
+          <a:lstStyle/>
+          <a:p>
+            <a:r>
+              <a:rPr lang="en-US" dirty="0"/>
+              <a:t>Source: </a:t>
+            </a:r>
+            <a:r>
+              <a:rPr lang="en-US" dirty="0">
+                <a:hlinkClick r:id="rId3"/>
+              </a:rPr>
+              <a:t>https://time.com/beer-guide/</a:t>
+            </a:r>
+            <a:endParaRPr lang="en-US" dirty="0"/>
+          </a:p>
+        </p:txBody>
+      </p:sp>
+      <p:sp>
+        <p:nvSpPr>
+          <p:cNvPr id="9" name="TextBox 8">
+            <a:extLst>
+              <a:ext uri="{FF2B5EF4-FFF2-40B4-BE49-F238E27FC236}">
+                <a16:creationId xmlns:a16="http://schemas.microsoft.com/office/drawing/2014/main" id="{CAEF59C1-680D-4E60-8888-9980A6D6DD3B}"/>
+              </a:ext>
+            </a:extLst>
+          </p:cNvPr>
+          <p:cNvSpPr txBox="1"/>
+          <p:nvPr/>
+        </p:nvSpPr>
+        <p:spPr>
+          <a:xfrm>
+            <a:off x="9210040" y="2531012"/>
+            <a:ext cx="2936240" cy="1323439"/>
+          </a:xfrm>
+          <a:prstGeom prst="rect">
+            <a:avLst/>
+          </a:prstGeom>
+          <a:noFill/>
+        </p:spPr>
+        <p:txBody>
+          <a:bodyPr wrap="square" rtlCol="0">
+            <a:spAutoFit/>
+          </a:bodyPr>
+          <a:lstStyle/>
+          <a:p>
+            <a:r>
+              <a:rPr lang="en-US" sz="1600" b="1" dirty="0"/>
+              <a:t>We believe targeting to market the beer at times where the chart shows gaps would increase the market share of Budweiser.</a:t>
+            </a:r>
+          </a:p>
+        </p:txBody>
+      </p:sp>
+    </p:spTree>
+    <p:extLst>
+      <p:ext uri="{BB962C8B-B14F-4D97-AF65-F5344CB8AC3E}">
+        <p14:creationId xmlns:p14="http://schemas.microsoft.com/office/powerpoint/2010/main" val="2920538283"/>
       </p:ext>
     </p:extLst>
   </p:cSld>
